--- a/hun_docs/feleves_ppt.pptx
+++ b/hun_docs/feleves_ppt.pptx
@@ -274,7 +274,7 @@
           <a:p>
             <a:fld id="{DBCE6C38-F8B4-4E18-BE42-3C0D8CAAC27C}" type="datetimeFigureOut">
               <a:rPr lang="hu-HU" smtClean="0"/>
-              <a:t>2024. 12. 04.</a:t>
+              <a:t>2024. 12. 05.</a:t>
             </a:fld>
             <a:endParaRPr lang="hu-HU"/>
           </a:p>
@@ -472,7 +472,7 @@
           <a:p>
             <a:fld id="{DBCE6C38-F8B4-4E18-BE42-3C0D8CAAC27C}" type="datetimeFigureOut">
               <a:rPr lang="hu-HU" smtClean="0"/>
-              <a:t>2024. 12. 04.</a:t>
+              <a:t>2024. 12. 05.</a:t>
             </a:fld>
             <a:endParaRPr lang="hu-HU"/>
           </a:p>
@@ -680,7 +680,7 @@
           <a:p>
             <a:fld id="{DBCE6C38-F8B4-4E18-BE42-3C0D8CAAC27C}" type="datetimeFigureOut">
               <a:rPr lang="hu-HU" smtClean="0"/>
-              <a:t>2024. 12. 04.</a:t>
+              <a:t>2024. 12. 05.</a:t>
             </a:fld>
             <a:endParaRPr lang="hu-HU"/>
           </a:p>
@@ -878,7 +878,7 @@
           <a:p>
             <a:fld id="{DBCE6C38-F8B4-4E18-BE42-3C0D8CAAC27C}" type="datetimeFigureOut">
               <a:rPr lang="hu-HU" smtClean="0"/>
-              <a:t>2024. 12. 04.</a:t>
+              <a:t>2024. 12. 05.</a:t>
             </a:fld>
             <a:endParaRPr lang="hu-HU"/>
           </a:p>
@@ -1153,7 +1153,7 @@
           <a:p>
             <a:fld id="{DBCE6C38-F8B4-4E18-BE42-3C0D8CAAC27C}" type="datetimeFigureOut">
               <a:rPr lang="hu-HU" smtClean="0"/>
-              <a:t>2024. 12. 04.</a:t>
+              <a:t>2024. 12. 05.</a:t>
             </a:fld>
             <a:endParaRPr lang="hu-HU"/>
           </a:p>
@@ -1418,7 +1418,7 @@
           <a:p>
             <a:fld id="{DBCE6C38-F8B4-4E18-BE42-3C0D8CAAC27C}" type="datetimeFigureOut">
               <a:rPr lang="hu-HU" smtClean="0"/>
-              <a:t>2024. 12. 04.</a:t>
+              <a:t>2024. 12. 05.</a:t>
             </a:fld>
             <a:endParaRPr lang="hu-HU"/>
           </a:p>
@@ -1830,7 +1830,7 @@
           <a:p>
             <a:fld id="{DBCE6C38-F8B4-4E18-BE42-3C0D8CAAC27C}" type="datetimeFigureOut">
               <a:rPr lang="hu-HU" smtClean="0"/>
-              <a:t>2024. 12. 04.</a:t>
+              <a:t>2024. 12. 05.</a:t>
             </a:fld>
             <a:endParaRPr lang="hu-HU"/>
           </a:p>
@@ -1971,7 +1971,7 @@
           <a:p>
             <a:fld id="{DBCE6C38-F8B4-4E18-BE42-3C0D8CAAC27C}" type="datetimeFigureOut">
               <a:rPr lang="hu-HU" smtClean="0"/>
-              <a:t>2024. 12. 04.</a:t>
+              <a:t>2024. 12. 05.</a:t>
             </a:fld>
             <a:endParaRPr lang="hu-HU"/>
           </a:p>
@@ -2084,7 +2084,7 @@
           <a:p>
             <a:fld id="{DBCE6C38-F8B4-4E18-BE42-3C0D8CAAC27C}" type="datetimeFigureOut">
               <a:rPr lang="hu-HU" smtClean="0"/>
-              <a:t>2024. 12. 04.</a:t>
+              <a:t>2024. 12. 05.</a:t>
             </a:fld>
             <a:endParaRPr lang="hu-HU"/>
           </a:p>
@@ -2395,7 +2395,7 @@
           <a:p>
             <a:fld id="{DBCE6C38-F8B4-4E18-BE42-3C0D8CAAC27C}" type="datetimeFigureOut">
               <a:rPr lang="hu-HU" smtClean="0"/>
-              <a:t>2024. 12. 04.</a:t>
+              <a:t>2024. 12. 05.</a:t>
             </a:fld>
             <a:endParaRPr lang="hu-HU"/>
           </a:p>
@@ -2683,7 +2683,7 @@
           <a:p>
             <a:fld id="{DBCE6C38-F8B4-4E18-BE42-3C0D8CAAC27C}" type="datetimeFigureOut">
               <a:rPr lang="hu-HU" smtClean="0"/>
-              <a:t>2024. 12. 04.</a:t>
+              <a:t>2024. 12. 05.</a:t>
             </a:fld>
             <a:endParaRPr lang="hu-HU"/>
           </a:p>
@@ -2924,7 +2924,7 @@
           <a:p>
             <a:fld id="{DBCE6C38-F8B4-4E18-BE42-3C0D8CAAC27C}" type="datetimeFigureOut">
               <a:rPr lang="hu-HU" smtClean="0"/>
-              <a:t>2024. 12. 04.</a:t>
+              <a:t>2024. 12. 05.</a:t>
             </a:fld>
             <a:endParaRPr lang="hu-HU"/>
           </a:p>
@@ -3714,6 +3714,16 @@
             </a:r>
           </a:p>
           <a:p>
+            <a:pPr marL="971550" lvl="1" indent="-514350">
+              <a:buFont typeface="+mj-lt"/>
+              <a:buAutoNum type="arabicPeriod"/>
+            </a:pPr>
+            <a:r>
+              <a:rPr lang="hu-HU" dirty="0"/>
+              <a:t>Képek átméretezése 45x45-re</a:t>
+            </a:r>
+          </a:p>
+          <a:p>
             <a:pPr marL="0" indent="0">
               <a:buNone/>
             </a:pPr>
@@ -5190,7 +5200,7 @@
         </p:spPr>
         <p:txBody>
           <a:bodyPr>
-            <a:normAutofit/>
+            <a:normAutofit lnSpcReduction="10000"/>
           </a:bodyPr>
           <a:lstStyle/>
           <a:p>
@@ -5272,7 +5282,31 @@
             </a:r>
             <a:r>
               <a:rPr lang="hu-HU" dirty="0"/>
-              <a:t>: Fix mennyiségű kép / kategória (5000)</a:t>
+              <a:t>: Fix mennyiségű kép / kategória (5000), de próbálkoztam 	</a:t>
+            </a:r>
+            <a:r>
+              <a:rPr lang="hu-HU" dirty="0" err="1"/>
+              <a:t>elötte</a:t>
+            </a:r>
+            <a:r>
+              <a:rPr lang="hu-HU" dirty="0"/>
+              <a:t> </a:t>
+            </a:r>
+            <a:r>
+              <a:rPr lang="hu-HU" dirty="0" err="1"/>
+              <a:t>Stratisfied</a:t>
+            </a:r>
+            <a:r>
+              <a:rPr lang="hu-HU" dirty="0"/>
+              <a:t> Batch </a:t>
+            </a:r>
+            <a:r>
+              <a:rPr lang="hu-HU" dirty="0" err="1"/>
+              <a:t>Genaratorral</a:t>
+            </a:r>
+            <a:r>
+              <a:rPr lang="hu-HU" dirty="0"/>
+              <a:t> is</a:t>
             </a:r>
           </a:p>
           <a:p>
@@ -5517,7 +5551,7 @@
             <a:pPr lvl="1"/>
             <a:r>
               <a:rPr lang="hu-HU" dirty="0"/>
-              <a:t>A Batch eleinte 32, de aztán 64 lett megfigyelés alapján.</a:t>
+              <a:t>A Batch eleinte 64, de aztán 32 lett megfigyelés alapján.</a:t>
             </a:r>
           </a:p>
         </p:txBody>
